--- a/docs/diagrams/CheckExpenditureSequenceDiagram.pptx
+++ b/docs/diagrams/CheckExpenditureSequenceDiagram.pptx
@@ -212,7 +212,7 @@
           <a:p>
             <a:fld id="{F5CC4B3F-88C1-4FFA-B1B6-F41C21DC6924}" type="datetimeFigureOut">
               <a:rPr lang="en-US" smtClean="0"/>
-              <a:t>11/1/18</a:t>
+              <a:t>11/12/18</a:t>
             </a:fld>
             <a:endParaRPr lang="en-US"/>
           </a:p>
@@ -658,7 +658,7 @@
           <a:p>
             <a:fld id="{78C97017-6FC3-485B-9764-EAC9E56C1D49}" type="datetimeFigureOut">
               <a:rPr lang="en-US" smtClean="0"/>
-              <a:t>11/1/18</a:t>
+              <a:t>11/12/18</a:t>
             </a:fld>
             <a:endParaRPr lang="en-US"/>
           </a:p>
@@ -826,7 +826,7 @@
           <a:p>
             <a:fld id="{78C97017-6FC3-485B-9764-EAC9E56C1D49}" type="datetimeFigureOut">
               <a:rPr lang="en-US" smtClean="0"/>
-              <a:t>11/1/18</a:t>
+              <a:t>11/12/18</a:t>
             </a:fld>
             <a:endParaRPr lang="en-US"/>
           </a:p>
@@ -1004,7 +1004,7 @@
           <a:p>
             <a:fld id="{78C97017-6FC3-485B-9764-EAC9E56C1D49}" type="datetimeFigureOut">
               <a:rPr lang="en-US" smtClean="0"/>
-              <a:t>11/1/18</a:t>
+              <a:t>11/12/18</a:t>
             </a:fld>
             <a:endParaRPr lang="en-US"/>
           </a:p>
@@ -1172,7 +1172,7 @@
           <a:p>
             <a:fld id="{78C97017-6FC3-485B-9764-EAC9E56C1D49}" type="datetimeFigureOut">
               <a:rPr lang="en-US" smtClean="0"/>
-              <a:t>11/1/18</a:t>
+              <a:t>11/12/18</a:t>
             </a:fld>
             <a:endParaRPr lang="en-US"/>
           </a:p>
@@ -1417,7 +1417,7 @@
           <a:p>
             <a:fld id="{78C97017-6FC3-485B-9764-EAC9E56C1D49}" type="datetimeFigureOut">
               <a:rPr lang="en-US" smtClean="0"/>
-              <a:t>11/1/18</a:t>
+              <a:t>11/12/18</a:t>
             </a:fld>
             <a:endParaRPr lang="en-US"/>
           </a:p>
@@ -1702,7 +1702,7 @@
           <a:p>
             <a:fld id="{78C97017-6FC3-485B-9764-EAC9E56C1D49}" type="datetimeFigureOut">
               <a:rPr lang="en-US" smtClean="0"/>
-              <a:t>11/1/18</a:t>
+              <a:t>11/12/18</a:t>
             </a:fld>
             <a:endParaRPr lang="en-US"/>
           </a:p>
@@ -2121,7 +2121,7 @@
           <a:p>
             <a:fld id="{78C97017-6FC3-485B-9764-EAC9E56C1D49}" type="datetimeFigureOut">
               <a:rPr lang="en-US" smtClean="0"/>
-              <a:t>11/1/18</a:t>
+              <a:t>11/12/18</a:t>
             </a:fld>
             <a:endParaRPr lang="en-US"/>
           </a:p>
@@ -2238,7 +2238,7 @@
           <a:p>
             <a:fld id="{78C97017-6FC3-485B-9764-EAC9E56C1D49}" type="datetimeFigureOut">
               <a:rPr lang="en-US" smtClean="0"/>
-              <a:t>11/1/18</a:t>
+              <a:t>11/12/18</a:t>
             </a:fld>
             <a:endParaRPr lang="en-US"/>
           </a:p>
@@ -2333,7 +2333,7 @@
           <a:p>
             <a:fld id="{78C97017-6FC3-485B-9764-EAC9E56C1D49}" type="datetimeFigureOut">
               <a:rPr lang="en-US" smtClean="0"/>
-              <a:t>11/1/18</a:t>
+              <a:t>11/12/18</a:t>
             </a:fld>
             <a:endParaRPr lang="en-US"/>
           </a:p>
@@ -2608,7 +2608,7 @@
           <a:p>
             <a:fld id="{78C97017-6FC3-485B-9764-EAC9E56C1D49}" type="datetimeFigureOut">
               <a:rPr lang="en-US" smtClean="0"/>
-              <a:t>11/1/18</a:t>
+              <a:t>11/12/18</a:t>
             </a:fld>
             <a:endParaRPr lang="en-US"/>
           </a:p>
@@ -2860,7 +2860,7 @@
           <a:p>
             <a:fld id="{78C97017-6FC3-485B-9764-EAC9E56C1D49}" type="datetimeFigureOut">
               <a:rPr lang="en-US" smtClean="0"/>
-              <a:t>11/1/18</a:t>
+              <a:t>11/12/18</a:t>
             </a:fld>
             <a:endParaRPr lang="en-US"/>
           </a:p>
@@ -3071,7 +3071,7 @@
           <a:p>
             <a:fld id="{78C97017-6FC3-485B-9764-EAC9E56C1D49}" type="datetimeFigureOut">
               <a:rPr lang="en-US" smtClean="0"/>
-              <a:t>11/1/18</a:t>
+              <a:t>11/12/18</a:t>
             </a:fld>
             <a:endParaRPr lang="en-US"/>
           </a:p>
@@ -3515,7 +3515,7 @@
         </p:nvSpPr>
         <p:spPr>
           <a:xfrm>
-            <a:off x="-1793967" y="388037"/>
+            <a:off x="-1793967" y="406353"/>
             <a:ext cx="9144538" cy="4343400"/>
           </a:xfrm>
           <a:prstGeom prst="roundRect">
@@ -3994,23 +3994,7 @@
                   <a:srgbClr val="0070C0"/>
                 </a:solidFill>
               </a:rPr>
-              <a:t>(“</a:t>
-            </a:r>
-            <a:r>
-              <a:rPr lang="en-US" sz="1400" dirty="0" smtClean="0">
-                <a:solidFill>
-                  <a:srgbClr val="0070C0"/>
-                </a:solidFill>
-              </a:rPr>
-              <a:t>check</a:t>
-            </a:r>
-            <a:r>
-              <a:rPr lang="en-US" sz="1400" dirty="0" smtClean="0">
-                <a:solidFill>
-                  <a:srgbClr val="0070C0"/>
-                </a:solidFill>
-              </a:rPr>
-              <a:t>”)</a:t>
+              <a:t>(“check”)</a:t>
             </a:r>
             <a:endParaRPr lang="en-US" sz="1400" dirty="0">
               <a:solidFill>
@@ -4347,7 +4331,7 @@
           <p:cNvPr id="67" name="Straight Arrow Connector 66">
             <a:extLst>
               <a:ext uri="{FF2B5EF4-FFF2-40B4-BE49-F238E27FC236}">
-                <a16:creationId xmlns:a16="http://schemas.microsoft.com/office/drawing/2014/main" xmlns="" id="{D881596E-177C-4FDC-8E60-CAB90B3D5FAB}"/>
+                <a16:creationId xmlns="" xmlns:a16="http://schemas.microsoft.com/office/drawing/2014/main" id="{D881596E-177C-4FDC-8E60-CAB90B3D5FAB}"/>
               </a:ext>
             </a:extLst>
           </p:cNvPr>
@@ -4391,7 +4375,7 @@
           <p:cNvPr id="69" name="Straight Arrow Connector 68">
             <a:extLst>
               <a:ext uri="{FF2B5EF4-FFF2-40B4-BE49-F238E27FC236}">
-                <a16:creationId xmlns:a16="http://schemas.microsoft.com/office/drawing/2014/main" xmlns="" id="{7C9F21BC-13A9-471F-825A-2621FD36355F}"/>
+                <a16:creationId xmlns="" xmlns:a16="http://schemas.microsoft.com/office/drawing/2014/main" id="{7C9F21BC-13A9-471F-825A-2621FD36355F}"/>
               </a:ext>
             </a:extLst>
           </p:cNvPr>
@@ -5284,7 +5268,7 @@
           <p:cNvPr id="103" name="Straight Connector 88">
             <a:extLst>
               <a:ext uri="{FF2B5EF4-FFF2-40B4-BE49-F238E27FC236}">
-                <a16:creationId xmlns:a16="http://schemas.microsoft.com/office/drawing/2014/main" xmlns="" id="{E4E1C8CA-49DF-45D8-80A5-D5C8282EE927}"/>
+                <a16:creationId xmlns="" xmlns:a16="http://schemas.microsoft.com/office/drawing/2014/main" id="{E4E1C8CA-49DF-45D8-80A5-D5C8282EE927}"/>
               </a:ext>
             </a:extLst>
           </p:cNvPr>
@@ -5431,7 +5415,7 @@
           <p:cNvPr id="106" name="Straight Arrow Connector 59">
             <a:extLst>
               <a:ext uri="{FF2B5EF4-FFF2-40B4-BE49-F238E27FC236}">
-                <a16:creationId xmlns:a16="http://schemas.microsoft.com/office/drawing/2014/main" xmlns="" id="{7C9F21BC-13A9-471F-825A-2621FD36355F}"/>
+                <a16:creationId xmlns="" xmlns:a16="http://schemas.microsoft.com/office/drawing/2014/main" id="{7C9F21BC-13A9-471F-825A-2621FD36355F}"/>
               </a:ext>
             </a:extLst>
           </p:cNvPr>
@@ -5477,7 +5461,7 @@
           <p:cNvPr id="107" name="Rectangle 62">
             <a:extLst>
               <a:ext uri="{FF2B5EF4-FFF2-40B4-BE49-F238E27FC236}">
-                <a16:creationId xmlns:a16="http://schemas.microsoft.com/office/drawing/2014/main" xmlns="" id="{D5E32DB2-91A8-40EE-82F9-02619232EEC0}"/>
+                <a16:creationId xmlns="" xmlns:a16="http://schemas.microsoft.com/office/drawing/2014/main" id="{D5E32DB2-91A8-40EE-82F9-02619232EEC0}"/>
               </a:ext>
             </a:extLst>
           </p:cNvPr>
@@ -5535,15 +5519,7 @@
                   <a:schemeClr val="bg1"/>
                 </a:solidFill>
               </a:rPr>
-              <a:t>Expenditrue</a:t>
-            </a:r>
-            <a:r>
-              <a:rPr lang="en-US" sz="1600" dirty="0" err="1" smtClean="0">
-                <a:solidFill>
-                  <a:schemeClr val="bg1"/>
-                </a:solidFill>
-              </a:rPr>
-              <a:t>List</a:t>
+              <a:t>ExpenditrueList</a:t>
             </a:r>
             <a:endParaRPr lang="en-SG" sz="1600" dirty="0">
               <a:solidFill>
@@ -5558,7 +5534,7 @@
           <p:cNvPr id="108" name="Straight Connector 89">
             <a:extLst>
               <a:ext uri="{FF2B5EF4-FFF2-40B4-BE49-F238E27FC236}">
-                <a16:creationId xmlns:a16="http://schemas.microsoft.com/office/drawing/2014/main" xmlns="" id="{7B6135FA-D68A-405D-9420-E5FBA090C10D}"/>
+                <a16:creationId xmlns="" xmlns:a16="http://schemas.microsoft.com/office/drawing/2014/main" id="{7B6135FA-D68A-405D-9420-E5FBA090C10D}"/>
               </a:ext>
             </a:extLst>
           </p:cNvPr>
@@ -5603,7 +5579,7 @@
           <p:cNvPr id="109" name="Rectangle 90">
             <a:extLst>
               <a:ext uri="{FF2B5EF4-FFF2-40B4-BE49-F238E27FC236}">
-                <a16:creationId xmlns:a16="http://schemas.microsoft.com/office/drawing/2014/main" xmlns="" id="{B9FBFD31-9848-462A-AEED-35C3E60B70BD}"/>
+                <a16:creationId xmlns="" xmlns:a16="http://schemas.microsoft.com/office/drawing/2014/main" id="{B9FBFD31-9848-462A-AEED-35C3E60B70BD}"/>
               </a:ext>
             </a:extLst>
           </p:cNvPr>
@@ -5656,7 +5632,7 @@
           <p:cNvPr id="110" name="Straight Arrow Connector 91">
             <a:extLst>
               <a:ext uri="{FF2B5EF4-FFF2-40B4-BE49-F238E27FC236}">
-                <a16:creationId xmlns:a16="http://schemas.microsoft.com/office/drawing/2014/main" xmlns="" id="{BA4D39AD-1C03-487D-B550-3C14F9AA7C50}"/>
+                <a16:creationId xmlns="" xmlns:a16="http://schemas.microsoft.com/office/drawing/2014/main" id="{BA4D39AD-1C03-487D-B550-3C14F9AA7C50}"/>
               </a:ext>
             </a:extLst>
           </p:cNvPr>
@@ -5700,7 +5676,7 @@
           <p:cNvPr id="111" name="TextBox 93">
             <a:extLst>
               <a:ext uri="{FF2B5EF4-FFF2-40B4-BE49-F238E27FC236}">
-                <a16:creationId xmlns:a16="http://schemas.microsoft.com/office/drawing/2014/main" xmlns="" id="{A73E27B3-56B5-4212-946C-0539E414201A}"/>
+                <a16:creationId xmlns="" xmlns:a16="http://schemas.microsoft.com/office/drawing/2014/main" id="{A73E27B3-56B5-4212-946C-0539E414201A}"/>
               </a:ext>
             </a:extLst>
           </p:cNvPr>
@@ -5778,7 +5754,7 @@
           <p:cNvPr id="112" name="Straight Arrow Connector 94">
             <a:extLst>
               <a:ext uri="{FF2B5EF4-FFF2-40B4-BE49-F238E27FC236}">
-                <a16:creationId xmlns:a16="http://schemas.microsoft.com/office/drawing/2014/main" xmlns="" id="{9711AC6B-2C2C-4B68-8F08-2DB891EF181F}"/>
+                <a16:creationId xmlns="" xmlns:a16="http://schemas.microsoft.com/office/drawing/2014/main" id="{9711AC6B-2C2C-4B68-8F08-2DB891EF181F}"/>
               </a:ext>
             </a:extLst>
           </p:cNvPr>
@@ -5883,6 +5859,52 @@
           </a:p>
         </p:txBody>
       </p:sp>
+      <p:cxnSp>
+        <p:nvCxnSpPr>
+          <p:cNvPr id="56" name="Straight Arrow Connector 59">
+            <a:extLst>
+              <a:ext uri="{FF2B5EF4-FFF2-40B4-BE49-F238E27FC236}">
+                <a16:creationId xmlns="" xmlns:a16="http://schemas.microsoft.com/office/drawing/2014/main" id="{7C9F21BC-13A9-471F-825A-2621FD36355F}"/>
+              </a:ext>
+            </a:extLst>
+          </p:cNvPr>
+          <p:cNvCxnSpPr>
+            <a:cxnSpLocks/>
+          </p:cNvCxnSpPr>
+          <p:nvPr/>
+        </p:nvCxnSpPr>
+        <p:spPr>
+          <a:xfrm flipV="1">
+            <a:off x="6500483" y="3672517"/>
+            <a:ext cx="1470216" cy="6325"/>
+          </a:xfrm>
+          <a:prstGeom prst="straightConnector1">
+            <a:avLst/>
+          </a:prstGeom>
+          <a:ln w="19050">
+            <a:solidFill>
+              <a:srgbClr val="7030A0"/>
+            </a:solidFill>
+            <a:prstDash val="sysDash"/>
+            <a:headEnd type="arrow" w="med" len="med"/>
+            <a:tailEnd type="none" w="med" len="med"/>
+          </a:ln>
+        </p:spPr>
+        <p:style>
+          <a:lnRef idx="1">
+            <a:schemeClr val="accent1"/>
+          </a:lnRef>
+          <a:fillRef idx="0">
+            <a:schemeClr val="accent1"/>
+          </a:fillRef>
+          <a:effectRef idx="0">
+            <a:schemeClr val="accent1"/>
+          </a:effectRef>
+          <a:fontRef idx="minor">
+            <a:schemeClr val="tx1"/>
+          </a:fontRef>
+        </p:style>
+      </p:cxnSp>
     </p:spTree>
     <p:extLst>
       <p:ext uri="{BB962C8B-B14F-4D97-AF65-F5344CB8AC3E}">
